--- a/output/Apresentação IA Porto.pptx
+++ b/output/Apresentação IA Porto.pptx
@@ -199,7 +199,8 @@
           <a:p>
             <a:fld id="{21B5D3BB-8B79-42F6-95C6-DD8F29DBAACF}" type="datetimeFigureOut">
               <a:rPr lang="pt-BR" smtClean="0"/>
-              <a:t>26/12/2024</a:t>
+              <a:pPr/>
+              <a:t>30/12/2024</a:t>
             </a:fld>
             <a:endParaRPr lang="pt-BR"/>
           </a:p>
@@ -360,6 +361,7 @@
           <a:p>
             <a:fld id="{07214CA4-49EB-40C6-9104-D4BD2C271D2A}" type="slidenum">
               <a:rPr lang="pt-BR" smtClean="0"/>
+              <a:pPr/>
               <a:t>‹nº›</a:t>
             </a:fld>
             <a:endParaRPr lang="pt-BR"/>
@@ -531,6 +533,7 @@
           <a:p>
             <a:fld id="{07214CA4-49EB-40C6-9104-D4BD2C271D2A}" type="slidenum">
               <a:rPr lang="pt-BR" smtClean="0"/>
+              <a:pPr/>
               <a:t>1</a:t>
             </a:fld>
             <a:endParaRPr lang="pt-BR"/>
@@ -726,7 +729,8 @@
           <a:p>
             <a:fld id="{E6936E0D-037B-46C1-BCAF-F412E84106B1}" type="datetime1">
               <a:rPr lang="pt-BR" smtClean="0"/>
-              <a:t>26/12/2024</a:t>
+              <a:pPr/>
+              <a:t>30/12/2024</a:t>
             </a:fld>
             <a:endParaRPr lang="pt-BR"/>
           </a:p>
@@ -772,6 +776,7 @@
           <a:p>
             <a:fld id="{8E689202-E847-45E7-AB2A-9F1BDA38EE0F}" type="slidenum">
               <a:rPr lang="pt-BR" smtClean="0"/>
+              <a:pPr/>
               <a:t>‹nº›</a:t>
             </a:fld>
             <a:endParaRPr lang="pt-BR"/>
@@ -895,7 +900,8 @@
           <a:p>
             <a:fld id="{BECD3D1C-DC2B-46A2-8967-BDF32DB89936}" type="datetime1">
               <a:rPr lang="pt-BR" smtClean="0"/>
-              <a:t>26/12/2024</a:t>
+              <a:pPr/>
+              <a:t>30/12/2024</a:t>
             </a:fld>
             <a:endParaRPr lang="pt-BR"/>
           </a:p>
@@ -941,6 +947,7 @@
           <a:p>
             <a:fld id="{8E689202-E847-45E7-AB2A-9F1BDA38EE0F}" type="slidenum">
               <a:rPr lang="pt-BR" smtClean="0"/>
+              <a:pPr/>
               <a:t>‹nº›</a:t>
             </a:fld>
             <a:endParaRPr lang="pt-BR"/>
@@ -1074,7 +1081,8 @@
           <a:p>
             <a:fld id="{6E957518-6DEB-4484-918E-0070F89630C9}" type="datetime1">
               <a:rPr lang="pt-BR" smtClean="0"/>
-              <a:t>26/12/2024</a:t>
+              <a:pPr/>
+              <a:t>30/12/2024</a:t>
             </a:fld>
             <a:endParaRPr lang="pt-BR"/>
           </a:p>
@@ -1120,6 +1128,7 @@
           <a:p>
             <a:fld id="{8E689202-E847-45E7-AB2A-9F1BDA38EE0F}" type="slidenum">
               <a:rPr lang="pt-BR" smtClean="0"/>
+              <a:pPr/>
               <a:t>‹nº›</a:t>
             </a:fld>
             <a:endParaRPr lang="pt-BR"/>
@@ -1243,7 +1252,8 @@
           <a:p>
             <a:fld id="{E6EC2410-38E9-4A0C-A535-CF6FC7835803}" type="datetime1">
               <a:rPr lang="pt-BR" smtClean="0"/>
-              <a:t>26/12/2024</a:t>
+              <a:pPr/>
+              <a:t>30/12/2024</a:t>
             </a:fld>
             <a:endParaRPr lang="pt-BR"/>
           </a:p>
@@ -1289,6 +1299,7 @@
           <a:p>
             <a:fld id="{8E689202-E847-45E7-AB2A-9F1BDA38EE0F}" type="slidenum">
               <a:rPr lang="pt-BR" smtClean="0"/>
+              <a:pPr/>
               <a:t>‹nº›</a:t>
             </a:fld>
             <a:endParaRPr lang="pt-BR"/>
@@ -1488,7 +1499,8 @@
           <a:p>
             <a:fld id="{C11B510A-9768-4BC3-9086-96B039CB92D4}" type="datetime1">
               <a:rPr lang="pt-BR" smtClean="0"/>
-              <a:t>26/12/2024</a:t>
+              <a:pPr/>
+              <a:t>30/12/2024</a:t>
             </a:fld>
             <a:endParaRPr lang="pt-BR"/>
           </a:p>
@@ -1534,6 +1546,7 @@
           <a:p>
             <a:fld id="{8E689202-E847-45E7-AB2A-9F1BDA38EE0F}" type="slidenum">
               <a:rPr lang="pt-BR" smtClean="0"/>
+              <a:pPr/>
               <a:t>‹nº›</a:t>
             </a:fld>
             <a:endParaRPr lang="pt-BR"/>
@@ -1775,7 +1788,8 @@
           <a:p>
             <a:fld id="{8009FF0A-37C9-47E8-9959-8A4FD4B41B21}" type="datetime1">
               <a:rPr lang="pt-BR" smtClean="0"/>
-              <a:t>26/12/2024</a:t>
+              <a:pPr/>
+              <a:t>30/12/2024</a:t>
             </a:fld>
             <a:endParaRPr lang="pt-BR"/>
           </a:p>
@@ -1821,6 +1835,7 @@
           <a:p>
             <a:fld id="{8E689202-E847-45E7-AB2A-9F1BDA38EE0F}" type="slidenum">
               <a:rPr lang="pt-BR" smtClean="0"/>
+              <a:pPr/>
               <a:t>‹nº›</a:t>
             </a:fld>
             <a:endParaRPr lang="pt-BR"/>
@@ -2201,7 +2216,8 @@
           <a:p>
             <a:fld id="{AAB69055-539B-425D-AE2A-C10B1A557770}" type="datetime1">
               <a:rPr lang="pt-BR" smtClean="0"/>
-              <a:t>26/12/2024</a:t>
+              <a:pPr/>
+              <a:t>30/12/2024</a:t>
             </a:fld>
             <a:endParaRPr lang="pt-BR"/>
           </a:p>
@@ -2247,6 +2263,7 @@
           <a:p>
             <a:fld id="{8E689202-E847-45E7-AB2A-9F1BDA38EE0F}" type="slidenum">
               <a:rPr lang="pt-BR" smtClean="0"/>
+              <a:pPr/>
               <a:t>‹nº›</a:t>
             </a:fld>
             <a:endParaRPr lang="pt-BR"/>
@@ -2318,7 +2335,8 @@
           <a:p>
             <a:fld id="{46533D77-1E6F-4420-A3D2-1342696CD714}" type="datetime1">
               <a:rPr lang="pt-BR" smtClean="0"/>
-              <a:t>26/12/2024</a:t>
+              <a:pPr/>
+              <a:t>30/12/2024</a:t>
             </a:fld>
             <a:endParaRPr lang="pt-BR"/>
           </a:p>
@@ -2364,6 +2382,7 @@
           <a:p>
             <a:fld id="{8E689202-E847-45E7-AB2A-9F1BDA38EE0F}" type="slidenum">
               <a:rPr lang="pt-BR" smtClean="0"/>
+              <a:pPr/>
               <a:t>‹nº›</a:t>
             </a:fld>
             <a:endParaRPr lang="pt-BR"/>
@@ -2412,7 +2431,8 @@
           <a:p>
             <a:fld id="{22EF178C-8908-4FC9-9676-12BBAD667816}" type="datetime1">
               <a:rPr lang="pt-BR" smtClean="0"/>
-              <a:t>26/12/2024</a:t>
+              <a:pPr/>
+              <a:t>30/12/2024</a:t>
             </a:fld>
             <a:endParaRPr lang="pt-BR"/>
           </a:p>
@@ -2458,6 +2478,7 @@
           <a:p>
             <a:fld id="{8E689202-E847-45E7-AB2A-9F1BDA38EE0F}" type="slidenum">
               <a:rPr lang="pt-BR" smtClean="0"/>
+              <a:pPr/>
               <a:t>‹nº›</a:t>
             </a:fld>
             <a:endParaRPr lang="pt-BR"/>
@@ -2688,7 +2709,8 @@
           <a:p>
             <a:fld id="{A5485F7F-254B-4A65-834E-EAB9D18DFD0A}" type="datetime1">
               <a:rPr lang="pt-BR" smtClean="0"/>
-              <a:t>26/12/2024</a:t>
+              <a:pPr/>
+              <a:t>30/12/2024</a:t>
             </a:fld>
             <a:endParaRPr lang="pt-BR"/>
           </a:p>
@@ -2734,6 +2756,7 @@
           <a:p>
             <a:fld id="{8E689202-E847-45E7-AB2A-9F1BDA38EE0F}" type="slidenum">
               <a:rPr lang="pt-BR" smtClean="0"/>
+              <a:pPr/>
               <a:t>‹nº›</a:t>
             </a:fld>
             <a:endParaRPr lang="pt-BR"/>
@@ -2940,7 +2963,8 @@
           <a:p>
             <a:fld id="{816343F7-934E-4DE9-A6F2-B5A97F13884B}" type="datetime1">
               <a:rPr lang="pt-BR" smtClean="0"/>
-              <a:t>26/12/2024</a:t>
+              <a:pPr/>
+              <a:t>30/12/2024</a:t>
             </a:fld>
             <a:endParaRPr lang="pt-BR"/>
           </a:p>
@@ -2986,6 +3010,7 @@
           <a:p>
             <a:fld id="{8E689202-E847-45E7-AB2A-9F1BDA38EE0F}" type="slidenum">
               <a:rPr lang="pt-BR" smtClean="0"/>
+              <a:pPr/>
               <a:t>‹nº›</a:t>
             </a:fld>
             <a:endParaRPr lang="pt-BR"/>
@@ -3152,7 +3177,8 @@
           <a:p>
             <a:fld id="{FBA38F76-7863-4948-B7FA-2B944A4D242F}" type="datetime1">
               <a:rPr lang="pt-BR" smtClean="0"/>
-              <a:t>26/12/2024</a:t>
+              <a:pPr/>
+              <a:t>30/12/2024</a:t>
             </a:fld>
             <a:endParaRPr lang="pt-BR"/>
           </a:p>
@@ -3234,6 +3260,7 @@
           <a:p>
             <a:fld id="{8E689202-E847-45E7-AB2A-9F1BDA38EE0F}" type="slidenum">
               <a:rPr lang="pt-BR" smtClean="0"/>
+              <a:pPr/>
               <a:t>‹nº›</a:t>
             </a:fld>
             <a:endParaRPr lang="pt-BR"/>
@@ -4857,18 +4884,6 @@
               </a:rPr>
               <a:t>ão de Sistemas Automatizados</a:t>
             </a:r>
-            <a:endParaRPr kumimoji="0" lang="pt-BR" b="1" i="0" u="none" strike="noStrike" cap="none" normalizeH="0" baseline="0" dirty="0" smtClean="0">
-              <a:ln>
-                <a:noFill/>
-              </a:ln>
-              <a:solidFill>
-                <a:schemeClr val="tx1"/>
-              </a:solidFill>
-              <a:effectLst/>
-              <a:latin typeface="Arial" pitchFamily="34" charset="0"/>
-              <a:ea typeface="Times New Roman" pitchFamily="18" charset="0"/>
-              <a:cs typeface="Arial" pitchFamily="34" charset="0"/>
-            </a:endParaRPr>
           </a:p>
         </p:txBody>
       </p:sp>
@@ -5032,9 +5047,6 @@
               </a:rPr>
               <a:t>Tópico 2: Infraestrutura Tecnológica</a:t>
             </a:r>
-            <a:endParaRPr lang="pt-BR" b="1" baseline="0" dirty="0" smtClean="0">
-              <a:latin typeface="Arial"/>
-            </a:endParaRPr>
           </a:p>
         </p:txBody>
       </p:sp>
@@ -5821,9 +5833,6 @@
               </a:rPr>
               <a:t>co 2: Infraestrutura Tecnológica</a:t>
             </a:r>
-            <a:endParaRPr lang="pt-BR" b="1" baseline="0" dirty="0" smtClean="0">
-              <a:latin typeface="Arial"/>
-            </a:endParaRPr>
           </a:p>
         </p:txBody>
       </p:sp>
@@ -6614,9 +6623,6 @@
               </a:rPr>
               <a:t>Tópico 2: Infraestrutura Tecnológica</a:t>
             </a:r>
-            <a:endParaRPr lang="pt-BR" b="1" baseline="0" dirty="0" smtClean="0">
-              <a:latin typeface="Arial"/>
-            </a:endParaRPr>
           </a:p>
         </p:txBody>
       </p:sp>
@@ -7575,7 +7581,7 @@
         </p:nvSpPr>
         <p:spPr bwMode="auto">
           <a:xfrm>
-            <a:off x="0" y="7167578"/>
+            <a:off x="0" y="7277133"/>
             <a:ext cx="6858000" cy="2462213"/>
           </a:xfrm>
           <a:prstGeom prst="rect">
@@ -7599,592 +7605,76 @@
           </a:bodyPr>
           <a:lstStyle/>
           <a:p>
-            <a:pPr marL="0" marR="0" lvl="0" indent="0" algn="just" defTabSz="914400" rtl="0" eaLnBrk="1" fontAlgn="base" latinLnBrk="0" hangingPunct="1">
-              <a:lnSpc>
-                <a:spcPct val="100000"/>
-              </a:lnSpc>
-              <a:spcBef>
-                <a:spcPct val="0"/>
-              </a:spcBef>
-              <a:spcAft>
-                <a:spcPct val="0"/>
-              </a:spcAft>
-              <a:buClrTx/>
-              <a:buSzTx/>
-              <a:buFontTx/>
-              <a:buNone/>
-              <a:tabLst/>
-            </a:pPr>
-            <a:r>
-              <a:rPr kumimoji="0" lang="pt-BR" sz="1400" b="1" i="0" u="none" strike="noStrike" cap="none" normalizeH="0" baseline="0" dirty="0" smtClean="0">
-                <a:ln>
-                  <a:noFill/>
-                </a:ln>
-                <a:solidFill>
-                  <a:schemeClr val="tx1"/>
-                </a:solidFill>
-                <a:effectLst/>
-                <a:latin typeface="Arial" pitchFamily="34" charset="0"/>
-                <a:ea typeface="Times New Roman" pitchFamily="18" charset="0"/>
+            <a:pPr algn="just"/>
+            <a:r>
+              <a:rPr lang="pt-BR" sz="1400" b="1" dirty="0" smtClean="0">
+                <a:latin typeface="Arial" pitchFamily="34" charset="0"/>
                 <a:cs typeface="Arial" pitchFamily="34" charset="0"/>
               </a:rPr>
               <a:t>Desafio:</a:t>
             </a:r>
             <a:r>
-              <a:rPr kumimoji="0" lang="pt-BR" sz="1400" b="0" i="0" u="none" strike="noStrike" cap="none" normalizeH="0" baseline="0" dirty="0" smtClean="0">
-                <a:ln>
-                  <a:noFill/>
-                </a:ln>
-                <a:solidFill>
-                  <a:schemeClr val="tx1"/>
-                </a:solidFill>
-                <a:effectLst/>
-                <a:latin typeface="Arial" pitchFamily="34" charset="0"/>
-                <a:ea typeface="Times New Roman" pitchFamily="18" charset="0"/>
-                <a:cs typeface="Arial" pitchFamily="34" charset="0"/>
-              </a:rPr>
-              <a:t> A automa</a:t>
-            </a:r>
-            <a:r>
-              <a:rPr kumimoji="0" lang="pt-BR" sz="1400" b="0" i="0" u="none" strike="noStrike" cap="none" normalizeH="0" baseline="0" dirty="0" smtClean="0">
-                <a:ln>
-                  <a:noFill/>
-                </a:ln>
-                <a:solidFill>
-                  <a:schemeClr val="tx1"/>
-                </a:solidFill>
-                <a:effectLst/>
-                <a:latin typeface="Calibri"/>
-                <a:ea typeface="Times New Roman" pitchFamily="18" charset="0"/>
-                <a:cs typeface="Arial" pitchFamily="34" charset="0"/>
-              </a:rPr>
-              <a:t>ç</a:t>
-            </a:r>
-            <a:r>
-              <a:rPr kumimoji="0" lang="pt-BR" sz="1400" b="0" i="0" u="none" strike="noStrike" cap="none" normalizeH="0" baseline="0" dirty="0" smtClean="0">
-                <a:ln>
-                  <a:noFill/>
-                </a:ln>
-                <a:solidFill>
-                  <a:schemeClr val="tx1"/>
-                </a:solidFill>
-                <a:effectLst/>
-                <a:latin typeface="Arial" pitchFamily="34" charset="0"/>
-                <a:ea typeface="Times New Roman" pitchFamily="18" charset="0"/>
-                <a:cs typeface="Arial" pitchFamily="34" charset="0"/>
-              </a:rPr>
-              <a:t>ão aumenta a vulnerabilidade a ataques cibern</a:t>
-            </a:r>
-            <a:r>
-              <a:rPr kumimoji="0" lang="pt-BR" sz="1400" b="0" i="0" u="none" strike="noStrike" cap="none" normalizeH="0" baseline="0" dirty="0" smtClean="0">
-                <a:ln>
-                  <a:noFill/>
-                </a:ln>
-                <a:solidFill>
-                  <a:schemeClr val="tx1"/>
-                </a:solidFill>
-                <a:effectLst/>
-                <a:latin typeface="Calibri"/>
-                <a:ea typeface="Times New Roman" pitchFamily="18" charset="0"/>
-                <a:cs typeface="Arial" pitchFamily="34" charset="0"/>
-              </a:rPr>
-              <a:t>é</a:t>
-            </a:r>
-            <a:r>
-              <a:rPr kumimoji="0" lang="pt-BR" sz="1400" b="0" i="0" u="none" strike="noStrike" cap="none" normalizeH="0" baseline="0" dirty="0" smtClean="0">
-                <a:ln>
-                  <a:noFill/>
-                </a:ln>
-                <a:solidFill>
-                  <a:schemeClr val="tx1"/>
-                </a:solidFill>
-                <a:effectLst/>
-                <a:latin typeface="Arial" pitchFamily="34" charset="0"/>
-                <a:ea typeface="Times New Roman" pitchFamily="18" charset="0"/>
-                <a:cs typeface="Arial" pitchFamily="34" charset="0"/>
-              </a:rPr>
-              <a:t>ticos, que podem comprometer a seguran</a:t>
-            </a:r>
-            <a:r>
-              <a:rPr kumimoji="0" lang="pt-BR" sz="1400" b="0" i="0" u="none" strike="noStrike" cap="none" normalizeH="0" baseline="0" dirty="0" smtClean="0">
-                <a:ln>
-                  <a:noFill/>
-                </a:ln>
-                <a:solidFill>
-                  <a:schemeClr val="tx1"/>
-                </a:solidFill>
-                <a:effectLst/>
-                <a:latin typeface="Calibri"/>
-                <a:ea typeface="Times New Roman" pitchFamily="18" charset="0"/>
-                <a:cs typeface="Arial" pitchFamily="34" charset="0"/>
-              </a:rPr>
-              <a:t>ç</a:t>
-            </a:r>
-            <a:r>
-              <a:rPr kumimoji="0" lang="pt-BR" sz="1400" b="0" i="0" u="none" strike="noStrike" cap="none" normalizeH="0" baseline="0" dirty="0" smtClean="0">
-                <a:ln>
-                  <a:noFill/>
-                </a:ln>
-                <a:solidFill>
-                  <a:schemeClr val="tx1"/>
-                </a:solidFill>
-                <a:effectLst/>
-                <a:latin typeface="Arial" pitchFamily="34" charset="0"/>
-                <a:ea typeface="Times New Roman" pitchFamily="18" charset="0"/>
-                <a:cs typeface="Arial" pitchFamily="34" charset="0"/>
-              </a:rPr>
-              <a:t>a das opera</a:t>
-            </a:r>
-            <a:r>
-              <a:rPr kumimoji="0" lang="pt-BR" sz="1400" b="0" i="0" u="none" strike="noStrike" cap="none" normalizeH="0" baseline="0" dirty="0" smtClean="0">
-                <a:ln>
-                  <a:noFill/>
-                </a:ln>
-                <a:solidFill>
-                  <a:schemeClr val="tx1"/>
-                </a:solidFill>
-                <a:effectLst/>
-                <a:latin typeface="Calibri"/>
-                <a:ea typeface="Times New Roman" pitchFamily="18" charset="0"/>
-                <a:cs typeface="Arial" pitchFamily="34" charset="0"/>
-              </a:rPr>
-              <a:t>ç</a:t>
-            </a:r>
-            <a:r>
-              <a:rPr kumimoji="0" lang="pt-BR" sz="1400" b="0" i="0" u="none" strike="noStrike" cap="none" normalizeH="0" baseline="0" dirty="0" smtClean="0">
-                <a:ln>
-                  <a:noFill/>
-                </a:ln>
-                <a:solidFill>
-                  <a:schemeClr val="tx1"/>
-                </a:solidFill>
-                <a:effectLst/>
-                <a:latin typeface="Arial" pitchFamily="34" charset="0"/>
-                <a:ea typeface="Times New Roman" pitchFamily="18" charset="0"/>
-                <a:cs typeface="Arial" pitchFamily="34" charset="0"/>
-              </a:rPr>
-              <a:t>ões portu</a:t>
-            </a:r>
-            <a:r>
-              <a:rPr kumimoji="0" lang="pt-BR" sz="1400" b="0" i="0" u="none" strike="noStrike" cap="none" normalizeH="0" baseline="0" dirty="0" smtClean="0">
-                <a:ln>
-                  <a:noFill/>
-                </a:ln>
-                <a:solidFill>
-                  <a:schemeClr val="tx1"/>
-                </a:solidFill>
-                <a:effectLst/>
-                <a:latin typeface="Calibri"/>
-                <a:ea typeface="Times New Roman" pitchFamily="18" charset="0"/>
-                <a:cs typeface="Arial" pitchFamily="34" charset="0"/>
-              </a:rPr>
-              <a:t>á</a:t>
-            </a:r>
-            <a:r>
-              <a:rPr kumimoji="0" lang="pt-BR" sz="1400" b="0" i="0" u="none" strike="noStrike" cap="none" normalizeH="0" baseline="0" dirty="0" smtClean="0">
-                <a:ln>
-                  <a:noFill/>
-                </a:ln>
-                <a:solidFill>
-                  <a:schemeClr val="tx1"/>
-                </a:solidFill>
-                <a:effectLst/>
-                <a:latin typeface="Arial" pitchFamily="34" charset="0"/>
-                <a:ea typeface="Times New Roman" pitchFamily="18" charset="0"/>
-                <a:cs typeface="Arial" pitchFamily="34" charset="0"/>
-              </a:rPr>
-              <a:t>rias e causar interrup</a:t>
-            </a:r>
-            <a:r>
-              <a:rPr kumimoji="0" lang="pt-BR" sz="1400" b="0" i="0" u="none" strike="noStrike" cap="none" normalizeH="0" baseline="0" dirty="0" smtClean="0">
-                <a:ln>
-                  <a:noFill/>
-                </a:ln>
-                <a:solidFill>
-                  <a:schemeClr val="tx1"/>
-                </a:solidFill>
-                <a:effectLst/>
-                <a:latin typeface="Calibri"/>
-                <a:ea typeface="Times New Roman" pitchFamily="18" charset="0"/>
-                <a:cs typeface="Arial" pitchFamily="34" charset="0"/>
-              </a:rPr>
-              <a:t>ç</a:t>
-            </a:r>
-            <a:r>
-              <a:rPr kumimoji="0" lang="pt-BR" sz="1400" b="0" i="0" u="none" strike="noStrike" cap="none" normalizeH="0" baseline="0" dirty="0" smtClean="0">
-                <a:ln>
-                  <a:noFill/>
-                </a:ln>
-                <a:solidFill>
-                  <a:schemeClr val="tx1"/>
-                </a:solidFill>
-                <a:effectLst/>
-                <a:latin typeface="Arial" pitchFamily="34" charset="0"/>
-                <a:ea typeface="Times New Roman" pitchFamily="18" charset="0"/>
-                <a:cs typeface="Arial" pitchFamily="34" charset="0"/>
-              </a:rPr>
-              <a:t>ões significativas.</a:t>
-            </a:r>
-          </a:p>
-          <a:p>
-            <a:pPr marL="0" marR="0" lvl="0" indent="0" algn="just" defTabSz="914400" rtl="0" eaLnBrk="1" fontAlgn="base" latinLnBrk="0" hangingPunct="1">
-              <a:lnSpc>
-                <a:spcPct val="100000"/>
-              </a:lnSpc>
-              <a:spcBef>
-                <a:spcPct val="0"/>
-              </a:spcBef>
-              <a:spcAft>
-                <a:spcPct val="0"/>
-              </a:spcAft>
-              <a:buClrTx/>
-              <a:buSzTx/>
-              <a:buFontTx/>
-              <a:buNone/>
-              <a:tabLst/>
-            </a:pPr>
-            <a:endParaRPr kumimoji="0" lang="pt-BR" sz="1400" b="0" i="0" u="none" strike="noStrike" cap="none" normalizeH="0" baseline="0" dirty="0" smtClean="0">
-              <a:ln>
-                <a:noFill/>
-              </a:ln>
-              <a:solidFill>
-                <a:schemeClr val="tx1"/>
-              </a:solidFill>
-              <a:effectLst/>
+              <a:rPr lang="pt-BR" sz="1400" dirty="0" smtClean="0">
+                <a:latin typeface="Arial" pitchFamily="34" charset="0"/>
+                <a:cs typeface="Arial" pitchFamily="34" charset="0"/>
+              </a:rPr>
+              <a:t> A automação deve ser implementada de maneira que promova a sustentabilidade e a eficiência energética, reduzindo o impacto ambiental das operações portuárias</a:t>
+            </a:r>
+            <a:r>
+              <a:rPr lang="pt-BR" sz="1400" dirty="0" smtClean="0">
+                <a:latin typeface="Arial" pitchFamily="34" charset="0"/>
+                <a:cs typeface="Arial" pitchFamily="34" charset="0"/>
+              </a:rPr>
+              <a:t>.</a:t>
+            </a:r>
+          </a:p>
+          <a:p>
+            <a:pPr algn="just"/>
+            <a:endParaRPr lang="pt-BR" sz="1400" dirty="0" smtClean="0">
               <a:latin typeface="Arial" pitchFamily="34" charset="0"/>
               <a:cs typeface="Arial" pitchFamily="34" charset="0"/>
             </a:endParaRPr>
           </a:p>
           <a:p>
-            <a:pPr marL="0" marR="0" lvl="0" indent="0" algn="just" defTabSz="914400" rtl="0" eaLnBrk="0" fontAlgn="base" latinLnBrk="0" hangingPunct="0">
-              <a:lnSpc>
-                <a:spcPct val="100000"/>
-              </a:lnSpc>
-              <a:spcBef>
-                <a:spcPct val="0"/>
-              </a:spcBef>
-              <a:spcAft>
-                <a:spcPct val="0"/>
-              </a:spcAft>
-              <a:buClrTx/>
-              <a:buSzTx/>
-              <a:buFontTx/>
-              <a:buNone/>
-              <a:tabLst/>
-            </a:pPr>
-            <a:r>
-              <a:rPr kumimoji="0" lang="pt-BR" sz="1400" b="1" i="0" u="none" strike="noStrike" cap="none" normalizeH="0" baseline="0" dirty="0" smtClean="0">
-                <a:ln>
-                  <a:noFill/>
-                </a:ln>
-                <a:solidFill>
-                  <a:schemeClr val="tx1"/>
-                </a:solidFill>
-                <a:effectLst/>
-                <a:latin typeface="Arial" pitchFamily="34" charset="0"/>
-                <a:ea typeface="Times New Roman" pitchFamily="18" charset="0"/>
-                <a:cs typeface="Arial" pitchFamily="34" charset="0"/>
-              </a:rPr>
-              <a:t>Exemplo de Medida:</a:t>
-            </a:r>
-          </a:p>
-          <a:p>
-            <a:pPr marL="0" marR="0" lvl="0" indent="0" algn="just" defTabSz="914400" rtl="0" eaLnBrk="0" fontAlgn="base" latinLnBrk="0" hangingPunct="0">
-              <a:lnSpc>
-                <a:spcPct val="100000"/>
-              </a:lnSpc>
-              <a:spcBef>
-                <a:spcPct val="0"/>
-              </a:spcBef>
-              <a:spcAft>
-                <a:spcPct val="0"/>
-              </a:spcAft>
-              <a:buClrTx/>
-              <a:buSzTx/>
-              <a:buFontTx/>
-              <a:buNone/>
-              <a:tabLst/>
-            </a:pPr>
-            <a:endParaRPr kumimoji="0" lang="pt-BR" sz="1400" b="0" i="0" u="none" strike="noStrike" cap="none" normalizeH="0" baseline="0" dirty="0" smtClean="0">
-              <a:ln>
-                <a:noFill/>
-              </a:ln>
-              <a:solidFill>
-                <a:schemeClr val="tx1"/>
-              </a:solidFill>
-              <a:effectLst/>
+            <a:pPr algn="just"/>
+            <a:r>
+              <a:rPr lang="pt-BR" sz="1400" b="1" dirty="0" smtClean="0">
+                <a:latin typeface="Arial" pitchFamily="34" charset="0"/>
+                <a:cs typeface="Arial" pitchFamily="34" charset="0"/>
+              </a:rPr>
+              <a:t>Exemplo de Medida</a:t>
+            </a:r>
+            <a:r>
+              <a:rPr lang="pt-BR" sz="1400" b="1" dirty="0" smtClean="0">
+                <a:latin typeface="Arial" pitchFamily="34" charset="0"/>
+                <a:cs typeface="Arial" pitchFamily="34" charset="0"/>
+              </a:rPr>
+              <a:t>:</a:t>
+            </a:r>
+          </a:p>
+          <a:p>
+            <a:pPr algn="just"/>
+            <a:endParaRPr lang="pt-BR" sz="1400" dirty="0" smtClean="0">
               <a:latin typeface="Arial" pitchFamily="34" charset="0"/>
               <a:cs typeface="Arial" pitchFamily="34" charset="0"/>
             </a:endParaRPr>
           </a:p>
           <a:p>
-            <a:pPr marL="0" marR="0" lvl="0" indent="0" algn="just" defTabSz="914400" rtl="0" eaLnBrk="0" fontAlgn="base" latinLnBrk="0" hangingPunct="0">
-              <a:lnSpc>
-                <a:spcPct val="100000"/>
-              </a:lnSpc>
-              <a:spcBef>
-                <a:spcPct val="0"/>
-              </a:spcBef>
-              <a:spcAft>
-                <a:spcPct val="0"/>
-              </a:spcAft>
-              <a:buClrTx/>
-              <a:buSzTx/>
-              <a:buFontTx/>
-              <a:buChar char="•"/>
-              <a:tabLst/>
-            </a:pPr>
-            <a:r>
-              <a:rPr kumimoji="0" lang="pt-BR" sz="1400" b="1" i="0" u="none" strike="noStrike" cap="none" normalizeH="0" baseline="0" dirty="0" smtClean="0">
-                <a:ln>
-                  <a:noFill/>
-                </a:ln>
-                <a:solidFill>
-                  <a:schemeClr val="tx1"/>
-                </a:solidFill>
-                <a:effectLst/>
-                <a:latin typeface="Arial" pitchFamily="34" charset="0"/>
-                <a:ea typeface="Times New Roman" pitchFamily="18" charset="0"/>
-                <a:cs typeface="Arial" pitchFamily="34" charset="0"/>
-              </a:rPr>
-              <a:t>Sistemas de Ciberseguran</a:t>
-            </a:r>
-            <a:r>
-              <a:rPr kumimoji="0" lang="pt-BR" sz="1400" b="1" i="0" u="none" strike="noStrike" cap="none" normalizeH="0" baseline="0" dirty="0" smtClean="0">
-                <a:ln>
-                  <a:noFill/>
-                </a:ln>
-                <a:solidFill>
-                  <a:schemeClr val="tx1"/>
-                </a:solidFill>
-                <a:effectLst/>
-                <a:latin typeface="Calibri"/>
-                <a:ea typeface="Times New Roman" pitchFamily="18" charset="0"/>
-                <a:cs typeface="Arial" pitchFamily="34" charset="0"/>
-              </a:rPr>
-              <a:t>ç</a:t>
-            </a:r>
-            <a:r>
-              <a:rPr kumimoji="0" lang="pt-BR" sz="1400" b="1" i="0" u="none" strike="noStrike" cap="none" normalizeH="0" baseline="0" dirty="0" smtClean="0">
-                <a:ln>
-                  <a:noFill/>
-                </a:ln>
-                <a:solidFill>
-                  <a:schemeClr val="tx1"/>
-                </a:solidFill>
-                <a:effectLst/>
-                <a:latin typeface="Arial" pitchFamily="34" charset="0"/>
-                <a:ea typeface="Times New Roman" pitchFamily="18" charset="0"/>
-                <a:cs typeface="Arial" pitchFamily="34" charset="0"/>
-              </a:rPr>
-              <a:t>a:</a:t>
-            </a:r>
-            <a:r>
-              <a:rPr kumimoji="0" lang="pt-BR" sz="1400" b="0" i="0" u="none" strike="noStrike" cap="none" normalizeH="0" baseline="0" dirty="0" smtClean="0">
-                <a:ln>
-                  <a:noFill/>
-                </a:ln>
-                <a:solidFill>
-                  <a:schemeClr val="tx1"/>
-                </a:solidFill>
-                <a:effectLst/>
-                <a:latin typeface="Arial" pitchFamily="34" charset="0"/>
-                <a:ea typeface="Times New Roman" pitchFamily="18" charset="0"/>
-                <a:cs typeface="Arial" pitchFamily="34" charset="0"/>
-              </a:rPr>
-              <a:t> Implementar sistemas robustos de ciberseguran</a:t>
-            </a:r>
-            <a:r>
-              <a:rPr kumimoji="0" lang="pt-BR" sz="1400" b="0" i="0" u="none" strike="noStrike" cap="none" normalizeH="0" baseline="0" dirty="0" smtClean="0">
-                <a:ln>
-                  <a:noFill/>
-                </a:ln>
-                <a:solidFill>
-                  <a:schemeClr val="tx1"/>
-                </a:solidFill>
-                <a:effectLst/>
-                <a:latin typeface="Calibri"/>
-                <a:ea typeface="Times New Roman" pitchFamily="18" charset="0"/>
-                <a:cs typeface="Arial" pitchFamily="34" charset="0"/>
-              </a:rPr>
-              <a:t>ç</a:t>
-            </a:r>
-            <a:r>
-              <a:rPr kumimoji="0" lang="pt-BR" sz="1400" b="0" i="0" u="none" strike="noStrike" cap="none" normalizeH="0" baseline="0" dirty="0" smtClean="0">
-                <a:ln>
-                  <a:noFill/>
-                </a:ln>
-                <a:solidFill>
-                  <a:schemeClr val="tx1"/>
-                </a:solidFill>
-                <a:effectLst/>
-                <a:latin typeface="Arial" pitchFamily="34" charset="0"/>
-                <a:ea typeface="Times New Roman" pitchFamily="18" charset="0"/>
-                <a:cs typeface="Arial" pitchFamily="34" charset="0"/>
-              </a:rPr>
-              <a:t>a para proteger as redes e sistemas automatizados contra amea</a:t>
-            </a:r>
-            <a:r>
-              <a:rPr kumimoji="0" lang="pt-BR" sz="1400" b="0" i="0" u="none" strike="noStrike" cap="none" normalizeH="0" baseline="0" dirty="0" smtClean="0">
-                <a:ln>
-                  <a:noFill/>
-                </a:ln>
-                <a:solidFill>
-                  <a:schemeClr val="tx1"/>
-                </a:solidFill>
-                <a:effectLst/>
-                <a:latin typeface="Calibri"/>
-                <a:ea typeface="Times New Roman" pitchFamily="18" charset="0"/>
-                <a:cs typeface="Arial" pitchFamily="34" charset="0"/>
-              </a:rPr>
-              <a:t>ç</a:t>
-            </a:r>
-            <a:r>
-              <a:rPr kumimoji="0" lang="pt-BR" sz="1400" b="0" i="0" u="none" strike="noStrike" cap="none" normalizeH="0" baseline="0" dirty="0" smtClean="0">
-                <a:ln>
-                  <a:noFill/>
-                </a:ln>
-                <a:solidFill>
-                  <a:schemeClr val="tx1"/>
-                </a:solidFill>
-                <a:effectLst/>
-                <a:latin typeface="Arial" pitchFamily="34" charset="0"/>
-                <a:ea typeface="Times New Roman" pitchFamily="18" charset="0"/>
-                <a:cs typeface="Arial" pitchFamily="34" charset="0"/>
-              </a:rPr>
-              <a:t>as cibern</a:t>
-            </a:r>
-            <a:r>
-              <a:rPr kumimoji="0" lang="pt-BR" sz="1400" b="0" i="0" u="none" strike="noStrike" cap="none" normalizeH="0" baseline="0" dirty="0" smtClean="0">
-                <a:ln>
-                  <a:noFill/>
-                </a:ln>
-                <a:solidFill>
-                  <a:schemeClr val="tx1"/>
-                </a:solidFill>
-                <a:effectLst/>
-                <a:latin typeface="Calibri"/>
-                <a:ea typeface="Times New Roman" pitchFamily="18" charset="0"/>
-                <a:cs typeface="Arial" pitchFamily="34" charset="0"/>
-              </a:rPr>
-              <a:t>é</a:t>
-            </a:r>
-            <a:r>
-              <a:rPr kumimoji="0" lang="pt-BR" sz="1400" b="0" i="0" u="none" strike="noStrike" cap="none" normalizeH="0" baseline="0" dirty="0" smtClean="0">
-                <a:ln>
-                  <a:noFill/>
-                </a:ln>
-                <a:solidFill>
-                  <a:schemeClr val="tx1"/>
-                </a:solidFill>
-                <a:effectLst/>
-                <a:latin typeface="Arial" pitchFamily="34" charset="0"/>
-                <a:ea typeface="Times New Roman" pitchFamily="18" charset="0"/>
-                <a:cs typeface="Arial" pitchFamily="34" charset="0"/>
-              </a:rPr>
-              <a:t>ticas. Um exemplo </a:t>
-            </a:r>
-            <a:r>
-              <a:rPr kumimoji="0" lang="pt-BR" sz="1400" b="0" i="0" u="none" strike="noStrike" cap="none" normalizeH="0" baseline="0" dirty="0" smtClean="0">
-                <a:ln>
-                  <a:noFill/>
-                </a:ln>
-                <a:solidFill>
-                  <a:schemeClr val="tx1"/>
-                </a:solidFill>
-                <a:effectLst/>
-                <a:latin typeface="Calibri"/>
-                <a:ea typeface="Times New Roman" pitchFamily="18" charset="0"/>
-                <a:cs typeface="Arial" pitchFamily="34" charset="0"/>
-              </a:rPr>
-              <a:t>é</a:t>
-            </a:r>
-            <a:r>
-              <a:rPr kumimoji="0" lang="pt-BR" sz="1400" b="0" i="0" u="none" strike="noStrike" cap="none" normalizeH="0" baseline="0" dirty="0" smtClean="0">
-                <a:ln>
-                  <a:noFill/>
-                </a:ln>
-                <a:solidFill>
-                  <a:schemeClr val="tx1"/>
-                </a:solidFill>
-                <a:effectLst/>
-                <a:latin typeface="Arial" pitchFamily="34" charset="0"/>
-                <a:ea typeface="Times New Roman" pitchFamily="18" charset="0"/>
-                <a:cs typeface="Arial" pitchFamily="34" charset="0"/>
-              </a:rPr>
-              <a:t> o Porto de Singapura, que adotou um sistema de ciberseguran</a:t>
-            </a:r>
-            <a:r>
-              <a:rPr kumimoji="0" lang="pt-BR" sz="1400" b="0" i="0" u="none" strike="noStrike" cap="none" normalizeH="0" baseline="0" dirty="0" smtClean="0">
-                <a:ln>
-                  <a:noFill/>
-                </a:ln>
-                <a:solidFill>
-                  <a:schemeClr val="tx1"/>
-                </a:solidFill>
-                <a:effectLst/>
-                <a:latin typeface="Calibri"/>
-                <a:ea typeface="Times New Roman" pitchFamily="18" charset="0"/>
-                <a:cs typeface="Arial" pitchFamily="34" charset="0"/>
-              </a:rPr>
-              <a:t>ç</a:t>
-            </a:r>
-            <a:r>
-              <a:rPr kumimoji="0" lang="pt-BR" sz="1400" b="0" i="0" u="none" strike="noStrike" cap="none" normalizeH="0" baseline="0" dirty="0" smtClean="0">
-                <a:ln>
-                  <a:noFill/>
-                </a:ln>
-                <a:solidFill>
-                  <a:schemeClr val="tx1"/>
-                </a:solidFill>
-                <a:effectLst/>
-                <a:latin typeface="Arial" pitchFamily="34" charset="0"/>
-                <a:ea typeface="Times New Roman" pitchFamily="18" charset="0"/>
-                <a:cs typeface="Arial" pitchFamily="34" charset="0"/>
-              </a:rPr>
-              <a:t>a abrangente para monitorar e proteger suas opera</a:t>
-            </a:r>
-            <a:r>
-              <a:rPr kumimoji="0" lang="pt-BR" sz="1400" b="0" i="0" u="none" strike="noStrike" cap="none" normalizeH="0" baseline="0" dirty="0" smtClean="0">
-                <a:ln>
-                  <a:noFill/>
-                </a:ln>
-                <a:solidFill>
-                  <a:schemeClr val="tx1"/>
-                </a:solidFill>
-                <a:effectLst/>
-                <a:latin typeface="Calibri"/>
-                <a:ea typeface="Times New Roman" pitchFamily="18" charset="0"/>
-                <a:cs typeface="Arial" pitchFamily="34" charset="0"/>
-              </a:rPr>
-              <a:t>ç</a:t>
-            </a:r>
-            <a:r>
-              <a:rPr kumimoji="0" lang="pt-BR" sz="1400" b="0" i="0" u="none" strike="noStrike" cap="none" normalizeH="0" baseline="0" dirty="0" smtClean="0">
-                <a:ln>
-                  <a:noFill/>
-                </a:ln>
-                <a:solidFill>
-                  <a:schemeClr val="tx1"/>
-                </a:solidFill>
-                <a:effectLst/>
-                <a:latin typeface="Arial" pitchFamily="34" charset="0"/>
-                <a:ea typeface="Times New Roman" pitchFamily="18" charset="0"/>
-                <a:cs typeface="Arial" pitchFamily="34" charset="0"/>
-              </a:rPr>
-              <a:t>ões automatizadas.</a:t>
-            </a:r>
-            <a:endParaRPr kumimoji="0" lang="pt-BR" sz="1400" b="0" i="0" u="none" strike="noStrike" cap="none" normalizeH="0" baseline="0" dirty="0" smtClean="0">
-              <a:ln>
-                <a:noFill/>
-              </a:ln>
-              <a:solidFill>
-                <a:schemeClr val="tx1"/>
-              </a:solidFill>
-              <a:effectLst/>
-              <a:latin typeface="Arial" pitchFamily="34" charset="0"/>
-              <a:cs typeface="Arial" pitchFamily="34" charset="0"/>
-            </a:endParaRPr>
+            <a:pPr lvl="0" algn="just"/>
+            <a:r>
+              <a:rPr lang="pt-BR" sz="1400" b="1" dirty="0" smtClean="0">
+                <a:latin typeface="Arial" pitchFamily="34" charset="0"/>
+                <a:cs typeface="Arial" pitchFamily="34" charset="0"/>
+              </a:rPr>
+              <a:t>Tecnologias Verdes:</a:t>
+            </a:r>
+            <a:r>
+              <a:rPr lang="pt-BR" sz="1400" dirty="0" smtClean="0">
+                <a:latin typeface="Arial" pitchFamily="34" charset="0"/>
+                <a:cs typeface="Arial" pitchFamily="34" charset="0"/>
+              </a:rPr>
+              <a:t> Adotar tecnologias verdes, como veículos elétricos e sistemas de energia renovável, para suportar as operações automatizadas. Um exemplo é o uso de veículos autônomos elétricos no Porto de Hamburgo, que ajudam a reduzir as emissões de CO₂ e aumentar a eficiência energética.</a:t>
+            </a:r>
           </a:p>
           <a:p>
             <a:pPr marL="0" marR="0" lvl="0" indent="0" algn="just" defTabSz="914400" rtl="0" eaLnBrk="0" fontAlgn="base" latinLnBrk="0" hangingPunct="0">
@@ -8305,9 +7795,6 @@
               </a:rPr>
               <a:t>Conclusão</a:t>
             </a:r>
-            <a:endParaRPr lang="pt-BR" b="1" baseline="0" dirty="0" smtClean="0">
-              <a:latin typeface="Arial"/>
-            </a:endParaRPr>
           </a:p>
         </p:txBody>
       </p:sp>
